--- a/1-2_Preparing_MachineLearning.pptx
+++ b/1-2_Preparing_MachineLearning.pptx
@@ -287,7 +287,7 @@
           <a:p>
             <a:fld id="{F236C2F1-C126-40F8-9B3B-E304D5D9B0E1}" type="datetimeFigureOut">
               <a:rPr lang="ko-KR" altLang="en-US" smtClean="0"/>
-              <a:t>2022-03-29</a:t>
+              <a:t>2022-03-31</a:t>
             </a:fld>
             <a:endParaRPr lang="ko-KR" altLang="en-US"/>
           </a:p>
@@ -485,7 +485,7 @@
           <a:p>
             <a:fld id="{F236C2F1-C126-40F8-9B3B-E304D5D9B0E1}" type="datetimeFigureOut">
               <a:rPr lang="ko-KR" altLang="en-US" smtClean="0"/>
-              <a:t>2022-03-29</a:t>
+              <a:t>2022-03-31</a:t>
             </a:fld>
             <a:endParaRPr lang="ko-KR" altLang="en-US"/>
           </a:p>
@@ -693,7 +693,7 @@
           <a:p>
             <a:fld id="{F236C2F1-C126-40F8-9B3B-E304D5D9B0E1}" type="datetimeFigureOut">
               <a:rPr lang="ko-KR" altLang="en-US" smtClean="0"/>
-              <a:t>2022-03-29</a:t>
+              <a:t>2022-03-31</a:t>
             </a:fld>
             <a:endParaRPr lang="ko-KR" altLang="en-US"/>
           </a:p>
@@ -891,7 +891,7 @@
           <a:p>
             <a:fld id="{F236C2F1-C126-40F8-9B3B-E304D5D9B0E1}" type="datetimeFigureOut">
               <a:rPr lang="ko-KR" altLang="en-US" smtClean="0"/>
-              <a:t>2022-03-29</a:t>
+              <a:t>2022-03-31</a:t>
             </a:fld>
             <a:endParaRPr lang="ko-KR" altLang="en-US"/>
           </a:p>
@@ -1166,7 +1166,7 @@
           <a:p>
             <a:fld id="{F236C2F1-C126-40F8-9B3B-E304D5D9B0E1}" type="datetimeFigureOut">
               <a:rPr lang="ko-KR" altLang="en-US" smtClean="0"/>
-              <a:t>2022-03-29</a:t>
+              <a:t>2022-03-31</a:t>
             </a:fld>
             <a:endParaRPr lang="ko-KR" altLang="en-US"/>
           </a:p>
@@ -1431,7 +1431,7 @@
           <a:p>
             <a:fld id="{F236C2F1-C126-40F8-9B3B-E304D5D9B0E1}" type="datetimeFigureOut">
               <a:rPr lang="ko-KR" altLang="en-US" smtClean="0"/>
-              <a:t>2022-03-29</a:t>
+              <a:t>2022-03-31</a:t>
             </a:fld>
             <a:endParaRPr lang="ko-KR" altLang="en-US"/>
           </a:p>
@@ -1843,7 +1843,7 @@
           <a:p>
             <a:fld id="{F236C2F1-C126-40F8-9B3B-E304D5D9B0E1}" type="datetimeFigureOut">
               <a:rPr lang="ko-KR" altLang="en-US" smtClean="0"/>
-              <a:t>2022-03-29</a:t>
+              <a:t>2022-03-31</a:t>
             </a:fld>
             <a:endParaRPr lang="ko-KR" altLang="en-US"/>
           </a:p>
@@ -1984,7 +1984,7 @@
           <a:p>
             <a:fld id="{F236C2F1-C126-40F8-9B3B-E304D5D9B0E1}" type="datetimeFigureOut">
               <a:rPr lang="ko-KR" altLang="en-US" smtClean="0"/>
-              <a:t>2022-03-29</a:t>
+              <a:t>2022-03-31</a:t>
             </a:fld>
             <a:endParaRPr lang="ko-KR" altLang="en-US"/>
           </a:p>
@@ -2097,7 +2097,7 @@
           <a:p>
             <a:fld id="{F236C2F1-C126-40F8-9B3B-E304D5D9B0E1}" type="datetimeFigureOut">
               <a:rPr lang="ko-KR" altLang="en-US" smtClean="0"/>
-              <a:t>2022-03-29</a:t>
+              <a:t>2022-03-31</a:t>
             </a:fld>
             <a:endParaRPr lang="ko-KR" altLang="en-US"/>
           </a:p>
@@ -2408,7 +2408,7 @@
           <a:p>
             <a:fld id="{F236C2F1-C126-40F8-9B3B-E304D5D9B0E1}" type="datetimeFigureOut">
               <a:rPr lang="ko-KR" altLang="en-US" smtClean="0"/>
-              <a:t>2022-03-29</a:t>
+              <a:t>2022-03-31</a:t>
             </a:fld>
             <a:endParaRPr lang="ko-KR" altLang="en-US"/>
           </a:p>
@@ -2696,7 +2696,7 @@
           <a:p>
             <a:fld id="{F236C2F1-C126-40F8-9B3B-E304D5D9B0E1}" type="datetimeFigureOut">
               <a:rPr lang="ko-KR" altLang="en-US" smtClean="0"/>
-              <a:t>2022-03-29</a:t>
+              <a:t>2022-03-31</a:t>
             </a:fld>
             <a:endParaRPr lang="ko-KR" altLang="en-US"/>
           </a:p>
@@ -2937,7 +2937,7 @@
           <a:p>
             <a:fld id="{F236C2F1-C126-40F8-9B3B-E304D5D9B0E1}" type="datetimeFigureOut">
               <a:rPr lang="ko-KR" altLang="en-US" smtClean="0"/>
-              <a:t>2022-03-29</a:t>
+              <a:t>2022-03-31</a:t>
             </a:fld>
             <a:endParaRPr lang="ko-KR" altLang="en-US"/>
           </a:p>
@@ -4424,7 +4424,6 @@
                   <a:srgbClr val="000000"/>
                 </a:solidFill>
                 <a:effectLst/>
-                <a:latin typeface="noto"/>
               </a:rPr>
               <a:t>x2 stores an array from 0 to 99 as a number array function.</a:t>
             </a:r>
@@ -4436,7 +4435,6 @@
                   <a:srgbClr val="000000"/>
                 </a:solidFill>
                 <a:effectLst/>
-                <a:latin typeface="noto"/>
               </a:rPr>
               <a:t>y2 stores the result obtained by multiplying an array of 100 random numbers from 0 to 1 by x2.</a:t>
             </a:r>
@@ -6363,7 +6361,6 @@
                   <a:srgbClr val="000000"/>
                 </a:solidFill>
                 <a:effectLst/>
-                <a:latin typeface="noto"/>
               </a:rPr>
               <a:t>Output a part of the dataset using the head method</a:t>
             </a:r>
@@ -6532,7 +6529,9 @@
           <a:lstStyle/>
           <a:p>
             <a:r>
-              <a:rPr lang="en-US" altLang="ko-KR" dirty="0"/>
+              <a:rPr lang="en-US" altLang="ko-KR" dirty="0">
+                <a:ea typeface="+mj-ea"/>
+              </a:rPr>
               <a:t>Combine target data and feature data</a:t>
             </a:r>
           </a:p>
@@ -6543,11 +6542,13 @@
                   <a:srgbClr val="000000"/>
                 </a:solidFill>
                 <a:effectLst/>
-                <a:latin typeface="noto"/>
+                <a:ea typeface="+mj-ea"/>
               </a:rPr>
               <a:t>Output a part of the dataset using the head method</a:t>
             </a:r>
-            <a:endParaRPr lang="en-US" altLang="ko-KR" dirty="0"/>
+            <a:endParaRPr lang="en-US" altLang="ko-KR" dirty="0">
+              <a:ea typeface="+mj-ea"/>
+            </a:endParaRPr>
           </a:p>
         </p:txBody>
       </p:sp>
@@ -6727,7 +6728,6 @@
                   <a:srgbClr val="000000"/>
                 </a:solidFill>
                 <a:effectLst/>
-                <a:latin typeface="noto"/>
               </a:rPr>
               <a:t>The correlation coefficient is a positive correlation as it approaches 1, and a negative correlation as it approaches -1, it is negative.</a:t>
             </a:r>
@@ -6739,7 +6739,6 @@
                   <a:srgbClr val="000000"/>
                 </a:solidFill>
                 <a:effectLst/>
-                <a:latin typeface="noto"/>
               </a:rPr>
               <a:t>If it is close to 0, there is no correlation between the data.</a:t>
             </a:r>
@@ -6912,7 +6911,6 @@
                 <a:solidFill>
                   <a:srgbClr val="000000"/>
                 </a:solidFill>
-                <a:latin typeface="noto"/>
               </a:rPr>
               <a:t>describe() function</a:t>
             </a:r>
@@ -6922,7 +6920,6 @@
                   <a:srgbClr val="000000"/>
                 </a:solidFill>
                 <a:effectLst/>
-                <a:latin typeface="noto"/>
               </a:rPr>
               <a:t> outputs eight pieces of statistical information.</a:t>
             </a:r>
@@ -6933,7 +6930,6 @@
                 <a:solidFill>
                   <a:srgbClr val="000000"/>
                 </a:solidFill>
-                <a:latin typeface="noto"/>
               </a:rPr>
               <a:t>count, mean, std, min, 25%, 50%, 75%, max</a:t>
             </a:r>

--- a/1-2_Preparing_MachineLearning.pptx
+++ b/1-2_Preparing_MachineLearning.pptx
@@ -287,7 +287,7 @@
           <a:p>
             <a:fld id="{F236C2F1-C126-40F8-9B3B-E304D5D9B0E1}" type="datetimeFigureOut">
               <a:rPr lang="ko-KR" altLang="en-US" smtClean="0"/>
-              <a:t>2022-03-31</a:t>
+              <a:t>2022-04-04</a:t>
             </a:fld>
             <a:endParaRPr lang="ko-KR" altLang="en-US"/>
           </a:p>
@@ -485,7 +485,7 @@
           <a:p>
             <a:fld id="{F236C2F1-C126-40F8-9B3B-E304D5D9B0E1}" type="datetimeFigureOut">
               <a:rPr lang="ko-KR" altLang="en-US" smtClean="0"/>
-              <a:t>2022-03-31</a:t>
+              <a:t>2022-04-04</a:t>
             </a:fld>
             <a:endParaRPr lang="ko-KR" altLang="en-US"/>
           </a:p>
@@ -693,7 +693,7 @@
           <a:p>
             <a:fld id="{F236C2F1-C126-40F8-9B3B-E304D5D9B0E1}" type="datetimeFigureOut">
               <a:rPr lang="ko-KR" altLang="en-US" smtClean="0"/>
-              <a:t>2022-03-31</a:t>
+              <a:t>2022-04-04</a:t>
             </a:fld>
             <a:endParaRPr lang="ko-KR" altLang="en-US"/>
           </a:p>
@@ -891,7 +891,7 @@
           <a:p>
             <a:fld id="{F236C2F1-C126-40F8-9B3B-E304D5D9B0E1}" type="datetimeFigureOut">
               <a:rPr lang="ko-KR" altLang="en-US" smtClean="0"/>
-              <a:t>2022-03-31</a:t>
+              <a:t>2022-04-04</a:t>
             </a:fld>
             <a:endParaRPr lang="ko-KR" altLang="en-US"/>
           </a:p>
@@ -1166,7 +1166,7 @@
           <a:p>
             <a:fld id="{F236C2F1-C126-40F8-9B3B-E304D5D9B0E1}" type="datetimeFigureOut">
               <a:rPr lang="ko-KR" altLang="en-US" smtClean="0"/>
-              <a:t>2022-03-31</a:t>
+              <a:t>2022-04-04</a:t>
             </a:fld>
             <a:endParaRPr lang="ko-KR" altLang="en-US"/>
           </a:p>
@@ -1431,7 +1431,7 @@
           <a:p>
             <a:fld id="{F236C2F1-C126-40F8-9B3B-E304D5D9B0E1}" type="datetimeFigureOut">
               <a:rPr lang="ko-KR" altLang="en-US" smtClean="0"/>
-              <a:t>2022-03-31</a:t>
+              <a:t>2022-04-04</a:t>
             </a:fld>
             <a:endParaRPr lang="ko-KR" altLang="en-US"/>
           </a:p>
@@ -1843,7 +1843,7 @@
           <a:p>
             <a:fld id="{F236C2F1-C126-40F8-9B3B-E304D5D9B0E1}" type="datetimeFigureOut">
               <a:rPr lang="ko-KR" altLang="en-US" smtClean="0"/>
-              <a:t>2022-03-31</a:t>
+              <a:t>2022-04-04</a:t>
             </a:fld>
             <a:endParaRPr lang="ko-KR" altLang="en-US"/>
           </a:p>
@@ -1984,7 +1984,7 @@
           <a:p>
             <a:fld id="{F236C2F1-C126-40F8-9B3B-E304D5D9B0E1}" type="datetimeFigureOut">
               <a:rPr lang="ko-KR" altLang="en-US" smtClean="0"/>
-              <a:t>2022-03-31</a:t>
+              <a:t>2022-04-04</a:t>
             </a:fld>
             <a:endParaRPr lang="ko-KR" altLang="en-US"/>
           </a:p>
@@ -2097,7 +2097,7 @@
           <a:p>
             <a:fld id="{F236C2F1-C126-40F8-9B3B-E304D5D9B0E1}" type="datetimeFigureOut">
               <a:rPr lang="ko-KR" altLang="en-US" smtClean="0"/>
-              <a:t>2022-03-31</a:t>
+              <a:t>2022-04-04</a:t>
             </a:fld>
             <a:endParaRPr lang="ko-KR" altLang="en-US"/>
           </a:p>
@@ -2408,7 +2408,7 @@
           <a:p>
             <a:fld id="{F236C2F1-C126-40F8-9B3B-E304D5D9B0E1}" type="datetimeFigureOut">
               <a:rPr lang="ko-KR" altLang="en-US" smtClean="0"/>
-              <a:t>2022-03-31</a:t>
+              <a:t>2022-04-04</a:t>
             </a:fld>
             <a:endParaRPr lang="ko-KR" altLang="en-US"/>
           </a:p>
@@ -2696,7 +2696,7 @@
           <a:p>
             <a:fld id="{F236C2F1-C126-40F8-9B3B-E304D5D9B0E1}" type="datetimeFigureOut">
               <a:rPr lang="ko-KR" altLang="en-US" smtClean="0"/>
-              <a:t>2022-03-31</a:t>
+              <a:t>2022-04-04</a:t>
             </a:fld>
             <a:endParaRPr lang="ko-KR" altLang="en-US"/>
           </a:p>
@@ -2937,7 +2937,7 @@
           <a:p>
             <a:fld id="{F236C2F1-C126-40F8-9B3B-E304D5D9B0E1}" type="datetimeFigureOut">
               <a:rPr lang="ko-KR" altLang="en-US" smtClean="0"/>
-              <a:t>2022-03-31</a:t>
+              <a:t>2022-04-04</a:t>
             </a:fld>
             <a:endParaRPr lang="ko-KR" altLang="en-US"/>
           </a:p>
@@ -6398,8 +6398,8 @@
         </p:blipFill>
         <p:spPr>
           <a:xfrm>
-            <a:off x="5614610" y="1825624"/>
-            <a:ext cx="5739192" cy="2117201"/>
+            <a:off x="5939406" y="1825624"/>
+            <a:ext cx="5414396" cy="2117201"/>
           </a:xfrm>
         </p:spPr>
       </p:pic>

--- a/1-2_Preparing_MachineLearning.pptx
+++ b/1-2_Preparing_MachineLearning.pptx
@@ -287,7 +287,7 @@
           <a:p>
             <a:fld id="{F236C2F1-C126-40F8-9B3B-E304D5D9B0E1}" type="datetimeFigureOut">
               <a:rPr lang="ko-KR" altLang="en-US" smtClean="0"/>
-              <a:t>2022-04-04</a:t>
+              <a:t>2022-04-12</a:t>
             </a:fld>
             <a:endParaRPr lang="ko-KR" altLang="en-US"/>
           </a:p>
@@ -485,7 +485,7 @@
           <a:p>
             <a:fld id="{F236C2F1-C126-40F8-9B3B-E304D5D9B0E1}" type="datetimeFigureOut">
               <a:rPr lang="ko-KR" altLang="en-US" smtClean="0"/>
-              <a:t>2022-04-04</a:t>
+              <a:t>2022-04-12</a:t>
             </a:fld>
             <a:endParaRPr lang="ko-KR" altLang="en-US"/>
           </a:p>
@@ -693,7 +693,7 @@
           <a:p>
             <a:fld id="{F236C2F1-C126-40F8-9B3B-E304D5D9B0E1}" type="datetimeFigureOut">
               <a:rPr lang="ko-KR" altLang="en-US" smtClean="0"/>
-              <a:t>2022-04-04</a:t>
+              <a:t>2022-04-12</a:t>
             </a:fld>
             <a:endParaRPr lang="ko-KR" altLang="en-US"/>
           </a:p>
@@ -891,7 +891,7 @@
           <a:p>
             <a:fld id="{F236C2F1-C126-40F8-9B3B-E304D5D9B0E1}" type="datetimeFigureOut">
               <a:rPr lang="ko-KR" altLang="en-US" smtClean="0"/>
-              <a:t>2022-04-04</a:t>
+              <a:t>2022-04-12</a:t>
             </a:fld>
             <a:endParaRPr lang="ko-KR" altLang="en-US"/>
           </a:p>
@@ -1166,7 +1166,7 @@
           <a:p>
             <a:fld id="{F236C2F1-C126-40F8-9B3B-E304D5D9B0E1}" type="datetimeFigureOut">
               <a:rPr lang="ko-KR" altLang="en-US" smtClean="0"/>
-              <a:t>2022-04-04</a:t>
+              <a:t>2022-04-12</a:t>
             </a:fld>
             <a:endParaRPr lang="ko-KR" altLang="en-US"/>
           </a:p>
@@ -1431,7 +1431,7 @@
           <a:p>
             <a:fld id="{F236C2F1-C126-40F8-9B3B-E304D5D9B0E1}" type="datetimeFigureOut">
               <a:rPr lang="ko-KR" altLang="en-US" smtClean="0"/>
-              <a:t>2022-04-04</a:t>
+              <a:t>2022-04-12</a:t>
             </a:fld>
             <a:endParaRPr lang="ko-KR" altLang="en-US"/>
           </a:p>
@@ -1843,7 +1843,7 @@
           <a:p>
             <a:fld id="{F236C2F1-C126-40F8-9B3B-E304D5D9B0E1}" type="datetimeFigureOut">
               <a:rPr lang="ko-KR" altLang="en-US" smtClean="0"/>
-              <a:t>2022-04-04</a:t>
+              <a:t>2022-04-12</a:t>
             </a:fld>
             <a:endParaRPr lang="ko-KR" altLang="en-US"/>
           </a:p>
@@ -1984,7 +1984,7 @@
           <a:p>
             <a:fld id="{F236C2F1-C126-40F8-9B3B-E304D5D9B0E1}" type="datetimeFigureOut">
               <a:rPr lang="ko-KR" altLang="en-US" smtClean="0"/>
-              <a:t>2022-04-04</a:t>
+              <a:t>2022-04-12</a:t>
             </a:fld>
             <a:endParaRPr lang="ko-KR" altLang="en-US"/>
           </a:p>
@@ -2097,7 +2097,7 @@
           <a:p>
             <a:fld id="{F236C2F1-C126-40F8-9B3B-E304D5D9B0E1}" type="datetimeFigureOut">
               <a:rPr lang="ko-KR" altLang="en-US" smtClean="0"/>
-              <a:t>2022-04-04</a:t>
+              <a:t>2022-04-12</a:t>
             </a:fld>
             <a:endParaRPr lang="ko-KR" altLang="en-US"/>
           </a:p>
@@ -2408,7 +2408,7 @@
           <a:p>
             <a:fld id="{F236C2F1-C126-40F8-9B3B-E304D5D9B0E1}" type="datetimeFigureOut">
               <a:rPr lang="ko-KR" altLang="en-US" smtClean="0"/>
-              <a:t>2022-04-04</a:t>
+              <a:t>2022-04-12</a:t>
             </a:fld>
             <a:endParaRPr lang="ko-KR" altLang="en-US"/>
           </a:p>
@@ -2696,7 +2696,7 @@
           <a:p>
             <a:fld id="{F236C2F1-C126-40F8-9B3B-E304D5D9B0E1}" type="datetimeFigureOut">
               <a:rPr lang="ko-KR" altLang="en-US" smtClean="0"/>
-              <a:t>2022-04-04</a:t>
+              <a:t>2022-04-12</a:t>
             </a:fld>
             <a:endParaRPr lang="ko-KR" altLang="en-US"/>
           </a:p>
@@ -2937,7 +2937,7 @@
           <a:p>
             <a:fld id="{F236C2F1-C126-40F8-9B3B-E304D5D9B0E1}" type="datetimeFigureOut">
               <a:rPr lang="ko-KR" altLang="en-US" smtClean="0"/>
-              <a:t>2022-04-04</a:t>
+              <a:t>2022-04-12</a:t>
             </a:fld>
             <a:endParaRPr lang="ko-KR" altLang="en-US"/>
           </a:p>
@@ -3461,6 +3461,52 @@
           </a:prstGeom>
         </p:spPr>
       </p:pic>
+      <p:sp>
+        <p:nvSpPr>
+          <p:cNvPr id="5" name="TextBox 4">
+            <a:extLst>
+              <a:ext uri="{FF2B5EF4-FFF2-40B4-BE49-F238E27FC236}">
+                <a16:creationId xmlns:a16="http://schemas.microsoft.com/office/drawing/2014/main" id="{8D646106-041D-4576-B4BA-1DCAC8D9ECCA}"/>
+              </a:ext>
+            </a:extLst>
+          </p:cNvPr>
+          <p:cNvSpPr txBox="1"/>
+          <p:nvPr/>
+        </p:nvSpPr>
+        <p:spPr>
+          <a:xfrm>
+            <a:off x="0" y="6211669"/>
+            <a:ext cx="2805576" cy="646331"/>
+          </a:xfrm>
+          <a:prstGeom prst="rect">
+            <a:avLst/>
+          </a:prstGeom>
+          <a:noFill/>
+        </p:spPr>
+        <p:txBody>
+          <a:bodyPr wrap="none" rtlCol="0">
+            <a:spAutoFit/>
+          </a:bodyPr>
+          <a:lstStyle/>
+          <a:p>
+            <a:r>
+              <a:rPr lang="ko-KR" altLang="en-US" dirty="0"/>
+              <a:t>경희대학교 컴퓨터공학과</a:t>
+            </a:r>
+            <a:endParaRPr lang="en-US" altLang="ko-KR" dirty="0"/>
+          </a:p>
+          <a:p>
+            <a:r>
+              <a:rPr lang="en-US" altLang="ko-KR" dirty="0"/>
+              <a:t>2019102191 </a:t>
+            </a:r>
+            <a:r>
+              <a:rPr lang="ko-KR" altLang="en-US" dirty="0"/>
+              <a:t>신주영</a:t>
+            </a:r>
+          </a:p>
+        </p:txBody>
+      </p:sp>
     </p:spTree>
     <p:extLst>
       <p:ext uri="{BB962C8B-B14F-4D97-AF65-F5344CB8AC3E}">
